--- a/Enterprise App Development Final Presentation.pptx
+++ b/Enterprise App Development Final Presentation.pptx
@@ -6,10 +6,9 @@
   </p:sldMasterIdLst>
   <p:sldIdLst>
     <p:sldId id="256" r:id="rId2"/>
-    <p:sldId id="257" r:id="rId3"/>
-    <p:sldId id="258" r:id="rId4"/>
-    <p:sldId id="260" r:id="rId5"/>
-    <p:sldId id="261" r:id="rId6"/>
+    <p:sldId id="262" r:id="rId3"/>
+    <p:sldId id="263" r:id="rId4"/>
+    <p:sldId id="264" r:id="rId5"/>
   </p:sldIdLst>
   <p:sldSz cx="12192000" cy="6858000"/>
   <p:notesSz cx="6858000" cy="9144000"/>
@@ -838,7 +837,7 @@
           <a:p>
             <a:fld id="{6AA1DCDC-6A47-4BE1-9523-713A46D5F12B}" type="datetimeFigureOut">
               <a:rPr lang="en-US" smtClean="0"/>
-              <a:t>07/23/23</a:t>
+              <a:t>07/24/23</a:t>
             </a:fld>
             <a:endParaRPr lang="en-US" dirty="0"/>
           </a:p>
@@ -1089,7 +1088,7 @@
           <a:p>
             <a:fld id="{6AA1DCDC-6A47-4BE1-9523-713A46D5F12B}" type="datetimeFigureOut">
               <a:rPr lang="en-US" smtClean="0"/>
-              <a:t>07/23/23</a:t>
+              <a:t>07/24/23</a:t>
             </a:fld>
             <a:endParaRPr lang="en-US" dirty="0"/>
           </a:p>
@@ -1403,7 +1402,7 @@
           <a:p>
             <a:fld id="{6AA1DCDC-6A47-4BE1-9523-713A46D5F12B}" type="datetimeFigureOut">
               <a:rPr lang="en-US" smtClean="0"/>
-              <a:t>07/23/23</a:t>
+              <a:t>07/24/23</a:t>
             </a:fld>
             <a:endParaRPr lang="en-US" dirty="0"/>
           </a:p>
@@ -1744,7 +1743,7 @@
           <a:p>
             <a:fld id="{6AA1DCDC-6A47-4BE1-9523-713A46D5F12B}" type="datetimeFigureOut">
               <a:rPr lang="en-US" smtClean="0"/>
-              <a:t>07/23/23</a:t>
+              <a:t>07/24/23</a:t>
             </a:fld>
             <a:endParaRPr lang="en-US" dirty="0"/>
           </a:p>
@@ -2058,7 +2057,7 @@
           <a:p>
             <a:fld id="{6AA1DCDC-6A47-4BE1-9523-713A46D5F12B}" type="datetimeFigureOut">
               <a:rPr lang="en-US" smtClean="0"/>
-              <a:t>07/23/23</a:t>
+              <a:t>07/24/23</a:t>
             </a:fld>
             <a:endParaRPr lang="en-US" dirty="0"/>
           </a:p>
@@ -2451,7 +2450,7 @@
           <a:p>
             <a:fld id="{6AA1DCDC-6A47-4BE1-9523-713A46D5F12B}" type="datetimeFigureOut">
               <a:rPr lang="en-US" smtClean="0"/>
-              <a:t>07/23/23</a:t>
+              <a:t>07/24/23</a:t>
             </a:fld>
             <a:endParaRPr lang="en-US" dirty="0"/>
           </a:p>
@@ -2621,7 +2620,7 @@
           <a:p>
             <a:fld id="{6AA1DCDC-6A47-4BE1-9523-713A46D5F12B}" type="datetimeFigureOut">
               <a:rPr lang="en-US" smtClean="0"/>
-              <a:t>07/23/23</a:t>
+              <a:t>07/24/23</a:t>
             </a:fld>
             <a:endParaRPr lang="en-US" dirty="0"/>
           </a:p>
@@ -2801,7 +2800,7 @@
           <a:p>
             <a:fld id="{6AA1DCDC-6A47-4BE1-9523-713A46D5F12B}" type="datetimeFigureOut">
               <a:rPr lang="en-US" smtClean="0"/>
-              <a:t>07/23/23</a:t>
+              <a:t>07/24/23</a:t>
             </a:fld>
             <a:endParaRPr lang="en-US" dirty="0"/>
           </a:p>
@@ -2977,7 +2976,7 @@
           <a:p>
             <a:fld id="{6AA1DCDC-6A47-4BE1-9523-713A46D5F12B}" type="datetimeFigureOut">
               <a:rPr lang="en-US" smtClean="0"/>
-              <a:t>07/23/23</a:t>
+              <a:t>07/24/23</a:t>
             </a:fld>
             <a:endParaRPr lang="en-US" dirty="0"/>
           </a:p>
@@ -3224,7 +3223,7 @@
           <a:p>
             <a:fld id="{6AA1DCDC-6A47-4BE1-9523-713A46D5F12B}" type="datetimeFigureOut">
               <a:rPr lang="en-US" smtClean="0"/>
-              <a:t>07/23/23</a:t>
+              <a:t>07/24/23</a:t>
             </a:fld>
             <a:endParaRPr lang="en-US" dirty="0"/>
           </a:p>
@@ -3456,7 +3455,7 @@
           <a:p>
             <a:fld id="{6AA1DCDC-6A47-4BE1-9523-713A46D5F12B}" type="datetimeFigureOut">
               <a:rPr lang="en-US" smtClean="0"/>
-              <a:t>07/23/23</a:t>
+              <a:t>07/24/23</a:t>
             </a:fld>
             <a:endParaRPr lang="en-US" dirty="0"/>
           </a:p>
@@ -3830,7 +3829,7 @@
           <a:p>
             <a:fld id="{6AA1DCDC-6A47-4BE1-9523-713A46D5F12B}" type="datetimeFigureOut">
               <a:rPr lang="en-US" smtClean="0"/>
-              <a:t>07/23/23</a:t>
+              <a:t>07/24/23</a:t>
             </a:fld>
             <a:endParaRPr lang="en-US" dirty="0"/>
           </a:p>
@@ -3953,7 +3952,7 @@
           <a:p>
             <a:fld id="{6AA1DCDC-6A47-4BE1-9523-713A46D5F12B}" type="datetimeFigureOut">
               <a:rPr lang="en-US" smtClean="0"/>
-              <a:t>07/23/23</a:t>
+              <a:t>07/24/23</a:t>
             </a:fld>
             <a:endParaRPr lang="en-US" dirty="0"/>
           </a:p>
@@ -4048,7 +4047,7 @@
           <a:p>
             <a:fld id="{6AA1DCDC-6A47-4BE1-9523-713A46D5F12B}" type="datetimeFigureOut">
               <a:rPr lang="en-US" smtClean="0"/>
-              <a:t>07/23/23</a:t>
+              <a:t>07/24/23</a:t>
             </a:fld>
             <a:endParaRPr lang="en-US" dirty="0"/>
           </a:p>
@@ -4303,7 +4302,7 @@
           <a:p>
             <a:fld id="{6AA1DCDC-6A47-4BE1-9523-713A46D5F12B}" type="datetimeFigureOut">
               <a:rPr lang="en-US" smtClean="0"/>
-              <a:t>07/23/23</a:t>
+              <a:t>07/24/23</a:t>
             </a:fld>
             <a:endParaRPr lang="en-US" dirty="0"/>
           </a:p>
@@ -4566,7 +4565,7 @@
           <a:p>
             <a:fld id="{6AA1DCDC-6A47-4BE1-9523-713A46D5F12B}" type="datetimeFigureOut">
               <a:rPr lang="en-US" smtClean="0"/>
-              <a:t>07/23/23</a:t>
+              <a:t>07/24/23</a:t>
             </a:fld>
             <a:endParaRPr lang="en-US" dirty="0"/>
           </a:p>
@@ -5309,7 +5308,7 @@
           <a:p>
             <a:fld id="{6AA1DCDC-6A47-4BE1-9523-713A46D5F12B}" type="datetimeFigureOut">
               <a:rPr lang="en-US" smtClean="0"/>
-              <a:t>07/23/23</a:t>
+              <a:t>07/24/23</a:t>
             </a:fld>
             <a:endParaRPr lang="en-US" dirty="0"/>
           </a:p>
@@ -5856,7 +5855,7 @@
           <a:p>
             <a:r>
               <a:rPr lang="en-US" dirty="0"/>
-              <a:t>Spotify Picture-in-Picture Application</a:t>
+              <a:t>Spotify Pre-Wrapped</a:t>
             </a:r>
           </a:p>
         </p:txBody>
@@ -5944,7 +5943,7 @@
           <p:cNvPr id="2" name="Title 1">
             <a:extLst>
               <a:ext uri="{FF2B5EF4-FFF2-40B4-BE49-F238E27FC236}">
-                <a16:creationId xmlns:a16="http://schemas.microsoft.com/office/drawing/2014/main" id="{6E650698-FB3A-3AC6-9572-0226D66C26AD}"/>
+                <a16:creationId xmlns:a16="http://schemas.microsoft.com/office/drawing/2014/main" id="{130BDB9E-3840-7E35-2ABE-FE96312D7711}"/>
               </a:ext>
             </a:extLst>
           </p:cNvPr>
@@ -5972,7 +5971,7 @@
           <p:cNvPr id="3" name="Content Placeholder 2">
             <a:extLst>
               <a:ext uri="{FF2B5EF4-FFF2-40B4-BE49-F238E27FC236}">
-                <a16:creationId xmlns:a16="http://schemas.microsoft.com/office/drawing/2014/main" id="{9A5DB483-C271-CFE5-7066-F1DBCAA161F9}"/>
+                <a16:creationId xmlns:a16="http://schemas.microsoft.com/office/drawing/2014/main" id="{21F96112-4290-1035-661D-7FA2DB500545}"/>
               </a:ext>
             </a:extLst>
           </p:cNvPr>
@@ -5990,7 +5989,7 @@
           <a:p>
             <a:r>
               <a:rPr lang="en-US" dirty="0"/>
-              <a:t>Improve Spotify’s user experience and enhance productivity with a seamless multitasking feature that allows users to enjoy their favorite music while engaging in other activities on their device.</a:t>
+              <a:t>Build upon Spotify’s user experience with data on user’s listening habits.</a:t>
             </a:r>
           </a:p>
           <a:p>
@@ -5999,18 +5998,24 @@
           <a:p>
             <a:r>
               <a:rPr lang="en-US" dirty="0"/>
-              <a:t>Integrate miniature and resizable overlay with the Spotify application, enabling users to play, pause, skip, and backtrack their music without disrupting their primary task.</a:t>
-            </a:r>
-          </a:p>
-          <a:p>
-            <a:endParaRPr lang="en-US" dirty="0"/>
+              <a:t>Utilize Spotify’s API and Spring Boot technology to deliver up-to-date information on your favorite tracks and artists on Spotify, and sort by time frame (all time, past month, etc.)</a:t>
+            </a:r>
+          </a:p>
+          <a:p>
+            <a:endParaRPr lang="en-US" dirty="0"/>
+          </a:p>
+          <a:p>
+            <a:r>
+              <a:rPr lang="en-US" dirty="0"/>
+              <a:t>Spotify offers something similar through Spotify Wrapped, but this is only available during December.</a:t>
+            </a:r>
           </a:p>
         </p:txBody>
       </p:sp>
     </p:spTree>
     <p:extLst>
       <p:ext uri="{BB962C8B-B14F-4D97-AF65-F5344CB8AC3E}">
-        <p14:creationId xmlns:p14="http://schemas.microsoft.com/office/powerpoint/2010/main" val="2411025340"/>
+        <p14:creationId xmlns:p14="http://schemas.microsoft.com/office/powerpoint/2010/main" val="2460201148"/>
       </p:ext>
     </p:extLst>
   </p:cSld>
@@ -6042,7 +6047,7 @@
           <p:cNvPr id="2" name="Title 1">
             <a:extLst>
               <a:ext uri="{FF2B5EF4-FFF2-40B4-BE49-F238E27FC236}">
-                <a16:creationId xmlns:a16="http://schemas.microsoft.com/office/drawing/2014/main" id="{BFB76853-1C28-0043-0D0D-16D07988B34B}"/>
+                <a16:creationId xmlns:a16="http://schemas.microsoft.com/office/drawing/2014/main" id="{1BC699BD-58A7-FC67-A37C-F425D4842340}"/>
               </a:ext>
             </a:extLst>
           </p:cNvPr>
@@ -6070,7 +6075,7 @@
           <p:cNvPr id="3" name="Content Placeholder 2">
             <a:extLst>
               <a:ext uri="{FF2B5EF4-FFF2-40B4-BE49-F238E27FC236}">
-                <a16:creationId xmlns:a16="http://schemas.microsoft.com/office/drawing/2014/main" id="{FC33AD15-257B-7004-29BE-B0785F82EAB6}"/>
+                <a16:creationId xmlns:a16="http://schemas.microsoft.com/office/drawing/2014/main" id="{D0D9D376-A249-7AEF-DFC7-AA88E1326CE8}"/>
               </a:ext>
             </a:extLst>
           </p:cNvPr>
@@ -6088,40 +6093,53 @@
           <a:p>
             <a:r>
               <a:rPr lang="en-US" dirty="0"/>
-              <a:t>Resizable and movable</a:t>
+              <a:t>User Authentication</a:t>
             </a:r>
           </a:p>
           <a:p>
             <a:pPr lvl="1"/>
             <a:r>
               <a:rPr lang="en-US" dirty="0"/>
-              <a:t>Users can adjust the size and position of the overlay to accommodate their preferences and screen real estate. </a:t>
+              <a:t>Users can log in or sign up with their Spotify credentials to access personalized data and playback features</a:t>
             </a:r>
           </a:p>
           <a:p>
             <a:r>
               <a:rPr lang="en-US" dirty="0"/>
-              <a:t>Multitasking support</a:t>
+              <a:t>Top Artists Analysis</a:t>
             </a:r>
           </a:p>
           <a:p>
             <a:pPr lvl="1"/>
             <a:r>
               <a:rPr lang="en-US" dirty="0"/>
-              <a:t>Users can change tracks and increase or decrease volume on Spotify while simultaneously using other applications.</a:t>
+              <a:t>The app analyzes a user’s Spotify history and presents a list of their top artists based on metrics such as play counts and popularity.</a:t>
             </a:r>
           </a:p>
           <a:p>
             <a:r>
               <a:rPr lang="en-US" dirty="0"/>
-              <a:t>Customization options</a:t>
+              <a:t>Real-time Data Sync</a:t>
             </a:r>
           </a:p>
           <a:p>
             <a:pPr lvl="1"/>
             <a:r>
               <a:rPr lang="en-US" dirty="0"/>
-              <a:t>Users can personalize their experience by modifying display preferences such as the overlay’s transparency.</a:t>
+              <a:t>The app can sync with a user’s Spotify account to keep their data up to date.</a:t>
+            </a:r>
+          </a:p>
+          <a:p>
+            <a:r>
+              <a:rPr lang="en-US" dirty="0"/>
+              <a:t>Search Functionality</a:t>
+            </a:r>
+          </a:p>
+          <a:p>
+            <a:pPr lvl="1"/>
+            <a:r>
+              <a:rPr lang="en-US" dirty="0"/>
+              <a:t>Users can search for songs, albums, artists, and playlists from the Spotify library.</a:t>
             </a:r>
           </a:p>
         </p:txBody>
@@ -6129,7 +6147,7 @@
     </p:spTree>
     <p:extLst>
       <p:ext uri="{BB962C8B-B14F-4D97-AF65-F5344CB8AC3E}">
-        <p14:creationId xmlns:p14="http://schemas.microsoft.com/office/powerpoint/2010/main" val="867826356"/>
+        <p14:creationId xmlns:p14="http://schemas.microsoft.com/office/powerpoint/2010/main" val="140563656"/>
       </p:ext>
     </p:extLst>
   </p:cSld>
@@ -6158,1100 +6176,76 @@
       </p:grpSpPr>
       <p:sp>
         <p:nvSpPr>
-          <p:cNvPr id="4" name="Rectangle 3">
+          <p:cNvPr id="2" name="Title 1">
             <a:extLst>
               <a:ext uri="{FF2B5EF4-FFF2-40B4-BE49-F238E27FC236}">
-                <a16:creationId xmlns:a16="http://schemas.microsoft.com/office/drawing/2014/main" id="{C465BC1A-1F2B-C222-8A8A-6BE24707EE82}"/>
+                <a16:creationId xmlns:a16="http://schemas.microsoft.com/office/drawing/2014/main" id="{C7F08680-49AD-9C91-B13C-99A473B51AE4}"/>
               </a:ext>
             </a:extLst>
           </p:cNvPr>
-          <p:cNvSpPr/>
-          <p:nvPr/>
-        </p:nvSpPr>
-        <p:spPr>
-          <a:xfrm>
-            <a:off x="3360057" y="1984828"/>
-            <a:ext cx="5471885" cy="2888343"/>
-          </a:xfrm>
-          <a:prstGeom prst="rect">
-            <a:avLst/>
-          </a:prstGeom>
-          <a:solidFill>
-            <a:schemeClr val="bg1">
-              <a:lumMod val="75000"/>
-            </a:schemeClr>
-          </a:solidFill>
-          <a:ln>
-            <a:noFill/>
-          </a:ln>
-        </p:spPr>
-        <p:style>
-          <a:lnRef idx="2">
-            <a:schemeClr val="accent1">
-              <a:shade val="15000"/>
-            </a:schemeClr>
-          </a:lnRef>
-          <a:fillRef idx="1">
-            <a:schemeClr val="accent1"/>
-          </a:fillRef>
-          <a:effectRef idx="0">
-            <a:schemeClr val="accent1"/>
-          </a:effectRef>
-          <a:fontRef idx="minor">
-            <a:schemeClr val="lt1"/>
-          </a:fontRef>
-        </p:style>
-        <p:txBody>
-          <a:bodyPr rtlCol="0" anchor="ctr"/>
-          <a:lstStyle/>
-          <a:p>
-            <a:pPr algn="ctr"/>
-            <a:endParaRPr lang="en-US"/>
-          </a:p>
-        </p:txBody>
-      </p:sp>
-      <p:sp>
-        <p:nvSpPr>
-          <p:cNvPr id="5" name="TextBox 4">
+          <p:cNvSpPr>
+            <a:spLocks noGrp="1"/>
+          </p:cNvSpPr>
+          <p:nvPr>
+            <p:ph type="title"/>
+          </p:nvPr>
+        </p:nvSpPr>
+        <p:spPr/>
+        <p:txBody>
+          <a:bodyPr/>
+          <a:lstStyle/>
+          <a:p>
+            <a:r>
+              <a:rPr lang="en-US" dirty="0"/>
+              <a:t>Roadblocks</a:t>
+            </a:r>
+          </a:p>
+        </p:txBody>
+      </p:sp>
+      <p:sp>
+        <p:nvSpPr>
+          <p:cNvPr id="3" name="Content Placeholder 2">
             <a:extLst>
               <a:ext uri="{FF2B5EF4-FFF2-40B4-BE49-F238E27FC236}">
-                <a16:creationId xmlns:a16="http://schemas.microsoft.com/office/drawing/2014/main" id="{405DB56E-B781-C2C8-B816-80C9A71C0C06}"/>
+                <a16:creationId xmlns:a16="http://schemas.microsoft.com/office/drawing/2014/main" id="{56E6F310-C699-BF22-6635-3BA132D625DA}"/>
               </a:ext>
             </a:extLst>
           </p:cNvPr>
-          <p:cNvSpPr txBox="1"/>
-          <p:nvPr/>
-        </p:nvSpPr>
-        <p:spPr>
-          <a:xfrm>
-            <a:off x="5342705" y="2359995"/>
-            <a:ext cx="3161211" cy="461665"/>
-          </a:xfrm>
-          <a:prstGeom prst="rect">
-            <a:avLst/>
-          </a:prstGeom>
-          <a:noFill/>
-        </p:spPr>
-        <p:txBody>
-          <a:bodyPr wrap="square" rtlCol="0">
-            <a:spAutoFit/>
-          </a:bodyPr>
-          <a:lstStyle/>
-          <a:p>
-            <a:pPr algn="ctr"/>
-            <a:r>
-              <a:rPr lang="en-US" sz="2400" dirty="0"/>
-              <a:t>SONG TITLE</a:t>
-            </a:r>
-          </a:p>
-        </p:txBody>
-      </p:sp>
-      <p:sp>
-        <p:nvSpPr>
-          <p:cNvPr id="6" name="TextBox 5">
-            <a:extLst>
-              <a:ext uri="{FF2B5EF4-FFF2-40B4-BE49-F238E27FC236}">
-                <a16:creationId xmlns:a16="http://schemas.microsoft.com/office/drawing/2014/main" id="{96549BD7-7BBF-F259-92EA-7D3A50833871}"/>
-              </a:ext>
-            </a:extLst>
-          </p:cNvPr>
-          <p:cNvSpPr txBox="1"/>
-          <p:nvPr/>
-        </p:nvSpPr>
-        <p:spPr>
-          <a:xfrm>
-            <a:off x="5342705" y="3104493"/>
-            <a:ext cx="3161210" cy="461665"/>
-          </a:xfrm>
-          <a:prstGeom prst="rect">
-            <a:avLst/>
-          </a:prstGeom>
-          <a:noFill/>
-        </p:spPr>
-        <p:txBody>
-          <a:bodyPr wrap="square" rtlCol="0">
-            <a:spAutoFit/>
-          </a:bodyPr>
-          <a:lstStyle/>
-          <a:p>
-            <a:pPr algn="ctr"/>
-            <a:r>
-              <a:rPr lang="en-US" sz="2400" dirty="0"/>
-              <a:t>ARTIST NAME</a:t>
-            </a:r>
-          </a:p>
-        </p:txBody>
-      </p:sp>
-      <p:sp>
-        <p:nvSpPr>
-          <p:cNvPr id="7" name="Rectangle 6">
-            <a:extLst>
-              <a:ext uri="{FF2B5EF4-FFF2-40B4-BE49-F238E27FC236}">
-                <a16:creationId xmlns:a16="http://schemas.microsoft.com/office/drawing/2014/main" id="{4B01F7B6-F491-9F99-8F02-24FFBE177D58}"/>
-              </a:ext>
-            </a:extLst>
-          </p:cNvPr>
-          <p:cNvSpPr/>
-          <p:nvPr/>
-        </p:nvSpPr>
-        <p:spPr>
-          <a:xfrm>
-            <a:off x="3639456" y="2214152"/>
-            <a:ext cx="1494245" cy="1494245"/>
-          </a:xfrm>
-          <a:prstGeom prst="rect">
-            <a:avLst/>
-          </a:prstGeom>
-        </p:spPr>
-        <p:style>
-          <a:lnRef idx="2">
-            <a:schemeClr val="accent1">
-              <a:shade val="15000"/>
-            </a:schemeClr>
-          </a:lnRef>
-          <a:fillRef idx="1">
-            <a:schemeClr val="accent1"/>
-          </a:fillRef>
-          <a:effectRef idx="0">
-            <a:schemeClr val="accent1"/>
-          </a:effectRef>
-          <a:fontRef idx="minor">
-            <a:schemeClr val="lt1"/>
-          </a:fontRef>
-        </p:style>
-        <p:txBody>
-          <a:bodyPr rtlCol="0" anchor="ctr"/>
-          <a:lstStyle/>
-          <a:p>
-            <a:pPr algn="ctr"/>
+          <p:cNvSpPr>
+            <a:spLocks noGrp="1"/>
+          </p:cNvSpPr>
+          <p:nvPr>
+            <p:ph idx="1"/>
+          </p:nvPr>
+        </p:nvSpPr>
+        <p:spPr/>
+        <p:txBody>
+          <a:bodyPr/>
+          <a:lstStyle/>
+          <a:p>
             <a:r>
               <a:rPr lang="en-US" dirty="0"/>
-              <a:t>Album artwork</a:t>
-            </a:r>
-          </a:p>
-        </p:txBody>
-      </p:sp>
-      <p:sp>
-        <p:nvSpPr>
-          <p:cNvPr id="8" name="Triangle 7">
-            <a:extLst>
-              <a:ext uri="{FF2B5EF4-FFF2-40B4-BE49-F238E27FC236}">
-                <a16:creationId xmlns:a16="http://schemas.microsoft.com/office/drawing/2014/main" id="{60E1D852-4819-6C0E-07A0-DD11D349ACE9}"/>
-              </a:ext>
-            </a:extLst>
-          </p:cNvPr>
-          <p:cNvSpPr/>
-          <p:nvPr/>
-        </p:nvSpPr>
-        <p:spPr>
-          <a:xfrm rot="5400000">
-            <a:off x="6369462" y="3987256"/>
-            <a:ext cx="539190" cy="464819"/>
-          </a:xfrm>
-          <a:prstGeom prst="triangle">
-            <a:avLst/>
-          </a:prstGeom>
-        </p:spPr>
-        <p:style>
-          <a:lnRef idx="2">
-            <a:schemeClr val="accent1">
-              <a:shade val="15000"/>
-            </a:schemeClr>
-          </a:lnRef>
-          <a:fillRef idx="1">
-            <a:schemeClr val="accent1"/>
-          </a:fillRef>
-          <a:effectRef idx="0">
-            <a:schemeClr val="accent1"/>
-          </a:effectRef>
-          <a:fontRef idx="minor">
-            <a:schemeClr val="lt1"/>
-          </a:fontRef>
-        </p:style>
-        <p:txBody>
-          <a:bodyPr rtlCol="0" anchor="ctr"/>
-          <a:lstStyle/>
-          <a:p>
-            <a:pPr algn="ctr"/>
-            <a:endParaRPr lang="en-US"/>
-          </a:p>
-        </p:txBody>
-      </p:sp>
-      <p:sp>
-        <p:nvSpPr>
-          <p:cNvPr id="9" name="Triangle 8">
-            <a:extLst>
-              <a:ext uri="{FF2B5EF4-FFF2-40B4-BE49-F238E27FC236}">
-                <a16:creationId xmlns:a16="http://schemas.microsoft.com/office/drawing/2014/main" id="{39080437-7A7E-4DA3-C53F-5F585247E87A}"/>
-              </a:ext>
-            </a:extLst>
-          </p:cNvPr>
-          <p:cNvSpPr/>
-          <p:nvPr/>
-        </p:nvSpPr>
-        <p:spPr>
-          <a:xfrm rot="5400000">
-            <a:off x="7286086" y="3981260"/>
-            <a:ext cx="539190" cy="464819"/>
-          </a:xfrm>
-          <a:prstGeom prst="triangle">
-            <a:avLst/>
-          </a:prstGeom>
-        </p:spPr>
-        <p:style>
-          <a:lnRef idx="2">
-            <a:schemeClr val="accent1">
-              <a:shade val="15000"/>
-            </a:schemeClr>
-          </a:lnRef>
-          <a:fillRef idx="1">
-            <a:schemeClr val="accent1"/>
-          </a:fillRef>
-          <a:effectRef idx="0">
-            <a:schemeClr val="accent1"/>
-          </a:effectRef>
-          <a:fontRef idx="minor">
-            <a:schemeClr val="lt1"/>
-          </a:fontRef>
-        </p:style>
-        <p:txBody>
-          <a:bodyPr rtlCol="0" anchor="ctr"/>
-          <a:lstStyle/>
-          <a:p>
-            <a:pPr algn="ctr"/>
-            <a:endParaRPr lang="en-US"/>
-          </a:p>
-        </p:txBody>
-      </p:sp>
-      <p:sp>
-        <p:nvSpPr>
-          <p:cNvPr id="10" name="Triangle 9">
-            <a:extLst>
-              <a:ext uri="{FF2B5EF4-FFF2-40B4-BE49-F238E27FC236}">
-                <a16:creationId xmlns:a16="http://schemas.microsoft.com/office/drawing/2014/main" id="{8958F7A6-8A0A-070E-A185-0FA832FE8281}"/>
-              </a:ext>
-            </a:extLst>
-          </p:cNvPr>
-          <p:cNvSpPr/>
-          <p:nvPr/>
-        </p:nvSpPr>
-        <p:spPr>
-          <a:xfrm rot="5400000">
-            <a:off x="7495633" y="3993251"/>
-            <a:ext cx="539190" cy="464819"/>
-          </a:xfrm>
-          <a:prstGeom prst="triangle">
-            <a:avLst/>
-          </a:prstGeom>
-        </p:spPr>
-        <p:style>
-          <a:lnRef idx="2">
-            <a:schemeClr val="accent1">
-              <a:shade val="15000"/>
-            </a:schemeClr>
-          </a:lnRef>
-          <a:fillRef idx="1">
-            <a:schemeClr val="accent1"/>
-          </a:fillRef>
-          <a:effectRef idx="0">
-            <a:schemeClr val="accent1"/>
-          </a:effectRef>
-          <a:fontRef idx="minor">
-            <a:schemeClr val="lt1"/>
-          </a:fontRef>
-        </p:style>
-        <p:txBody>
-          <a:bodyPr rtlCol="0" anchor="ctr"/>
-          <a:lstStyle/>
-          <a:p>
-            <a:pPr algn="ctr"/>
-            <a:endParaRPr lang="en-US"/>
-          </a:p>
-        </p:txBody>
-      </p:sp>
-      <p:sp>
-        <p:nvSpPr>
-          <p:cNvPr id="11" name="Triangle 10">
-            <a:extLst>
-              <a:ext uri="{FF2B5EF4-FFF2-40B4-BE49-F238E27FC236}">
-                <a16:creationId xmlns:a16="http://schemas.microsoft.com/office/drawing/2014/main" id="{3B65F755-E469-29BC-A70D-24E1FBB8B9F5}"/>
-              </a:ext>
-            </a:extLst>
-          </p:cNvPr>
-          <p:cNvSpPr/>
-          <p:nvPr/>
-        </p:nvSpPr>
-        <p:spPr>
-          <a:xfrm rot="16200000">
-            <a:off x="4326668" y="3974907"/>
-            <a:ext cx="539190" cy="464819"/>
-          </a:xfrm>
-          <a:prstGeom prst="triangle">
-            <a:avLst/>
-          </a:prstGeom>
-        </p:spPr>
-        <p:style>
-          <a:lnRef idx="2">
-            <a:schemeClr val="accent1">
-              <a:shade val="15000"/>
-            </a:schemeClr>
-          </a:lnRef>
-          <a:fillRef idx="1">
-            <a:schemeClr val="accent1"/>
-          </a:fillRef>
-          <a:effectRef idx="0">
-            <a:schemeClr val="accent1"/>
-          </a:effectRef>
-          <a:fontRef idx="minor">
-            <a:schemeClr val="lt1"/>
-          </a:fontRef>
-        </p:style>
-        <p:txBody>
-          <a:bodyPr rtlCol="0" anchor="ctr"/>
-          <a:lstStyle/>
-          <a:p>
-            <a:pPr algn="ctr"/>
-            <a:endParaRPr lang="en-US"/>
-          </a:p>
-        </p:txBody>
-      </p:sp>
-      <p:sp>
-        <p:nvSpPr>
-          <p:cNvPr id="12" name="Triangle 11">
-            <a:extLst>
-              <a:ext uri="{FF2B5EF4-FFF2-40B4-BE49-F238E27FC236}">
-                <a16:creationId xmlns:a16="http://schemas.microsoft.com/office/drawing/2014/main" id="{26315C10-5D9A-F316-9CDE-B5DD01FE2473}"/>
-              </a:ext>
-            </a:extLst>
-          </p:cNvPr>
-          <p:cNvSpPr/>
-          <p:nvPr/>
-        </p:nvSpPr>
-        <p:spPr>
-          <a:xfrm rot="16200000">
-            <a:off x="4536215" y="3986898"/>
-            <a:ext cx="539190" cy="464819"/>
-          </a:xfrm>
-          <a:prstGeom prst="triangle">
-            <a:avLst/>
-          </a:prstGeom>
-        </p:spPr>
-        <p:style>
-          <a:lnRef idx="2">
-            <a:schemeClr val="accent1">
-              <a:shade val="15000"/>
-            </a:schemeClr>
-          </a:lnRef>
-          <a:fillRef idx="1">
-            <a:schemeClr val="accent1"/>
-          </a:fillRef>
-          <a:effectRef idx="0">
-            <a:schemeClr val="accent1"/>
-          </a:effectRef>
-          <a:fontRef idx="minor">
-            <a:schemeClr val="lt1"/>
-          </a:fontRef>
-        </p:style>
-        <p:txBody>
-          <a:bodyPr rtlCol="0" anchor="ctr"/>
-          <a:lstStyle/>
-          <a:p>
-            <a:pPr algn="ctr"/>
-            <a:endParaRPr lang="en-US"/>
-          </a:p>
-        </p:txBody>
-      </p:sp>
-      <p:sp>
-        <p:nvSpPr>
-          <p:cNvPr id="13" name="Rectangle 12">
-            <a:extLst>
-              <a:ext uri="{FF2B5EF4-FFF2-40B4-BE49-F238E27FC236}">
-                <a16:creationId xmlns:a16="http://schemas.microsoft.com/office/drawing/2014/main" id="{552F033C-9EAC-6789-3868-117503BF932C}"/>
-              </a:ext>
-            </a:extLst>
-          </p:cNvPr>
-          <p:cNvSpPr/>
-          <p:nvPr/>
-        </p:nvSpPr>
-        <p:spPr>
-          <a:xfrm>
-            <a:off x="5827993" y="3956066"/>
-            <a:ext cx="117830" cy="539191"/>
-          </a:xfrm>
-          <a:prstGeom prst="rect">
-            <a:avLst/>
-          </a:prstGeom>
-        </p:spPr>
-        <p:style>
-          <a:lnRef idx="2">
-            <a:schemeClr val="accent1">
-              <a:shade val="15000"/>
-            </a:schemeClr>
-          </a:lnRef>
-          <a:fillRef idx="1">
-            <a:schemeClr val="accent1"/>
-          </a:fillRef>
-          <a:effectRef idx="0">
-            <a:schemeClr val="accent1"/>
-          </a:effectRef>
-          <a:fontRef idx="minor">
-            <a:schemeClr val="lt1"/>
-          </a:fontRef>
-        </p:style>
-        <p:txBody>
-          <a:bodyPr rtlCol="0" anchor="ctr"/>
-          <a:lstStyle/>
-          <a:p>
-            <a:pPr algn="ctr"/>
-            <a:endParaRPr lang="en-US"/>
-          </a:p>
-        </p:txBody>
-      </p:sp>
-      <p:sp>
-        <p:nvSpPr>
-          <p:cNvPr id="14" name="Rectangle 13">
-            <a:extLst>
-              <a:ext uri="{FF2B5EF4-FFF2-40B4-BE49-F238E27FC236}">
-                <a16:creationId xmlns:a16="http://schemas.microsoft.com/office/drawing/2014/main" id="{DDC51C4B-E71A-C3B0-CC94-E8655CDE3AFB}"/>
-              </a:ext>
-            </a:extLst>
-          </p:cNvPr>
-          <p:cNvSpPr/>
-          <p:nvPr/>
-        </p:nvSpPr>
-        <p:spPr>
-          <a:xfrm>
-            <a:off x="5630721" y="3956065"/>
-            <a:ext cx="117830" cy="539191"/>
-          </a:xfrm>
-          <a:prstGeom prst="rect">
-            <a:avLst/>
-          </a:prstGeom>
-        </p:spPr>
-        <p:style>
-          <a:lnRef idx="2">
-            <a:schemeClr val="accent1">
-              <a:shade val="15000"/>
-            </a:schemeClr>
-          </a:lnRef>
-          <a:fillRef idx="1">
-            <a:schemeClr val="accent1"/>
-          </a:fillRef>
-          <a:effectRef idx="0">
-            <a:schemeClr val="accent1"/>
-          </a:effectRef>
-          <a:fontRef idx="minor">
-            <a:schemeClr val="lt1"/>
-          </a:fontRef>
-        </p:style>
-        <p:txBody>
-          <a:bodyPr rtlCol="0" anchor="ctr"/>
-          <a:lstStyle/>
-          <a:p>
-            <a:pPr algn="ctr"/>
-            <a:endParaRPr lang="en-US"/>
+              <a:t>Original project idea was a picture-in-picture application, which would have displayed currently-playing Spotify tracks in a movable and resizable mini-player.</a:t>
+            </a:r>
+          </a:p>
+          <a:p>
+            <a:r>
+              <a:rPr lang="en-US" dirty="0"/>
+              <a:t>Users would have been able to play, pause, and skip tracks without drawing their attention away from their primary task.</a:t>
+            </a:r>
+          </a:p>
+          <a:p>
+            <a:r>
+              <a:rPr lang="en-US" dirty="0"/>
+              <a:t>This concept proved to be infeasible, necessitating a full-scale overhaul relatively late in the development cycle.</a:t>
+            </a:r>
           </a:p>
         </p:txBody>
       </p:sp>
     </p:spTree>
     <p:extLst>
       <p:ext uri="{BB962C8B-B14F-4D97-AF65-F5344CB8AC3E}">
-        <p14:creationId xmlns:p14="http://schemas.microsoft.com/office/powerpoint/2010/main" val="3337937514"/>
-      </p:ext>
-    </p:extLst>
-  </p:cSld>
-  <p:clrMapOvr>
-    <a:masterClrMapping/>
-  </p:clrMapOvr>
-</p:sld>
-</file>
-
-<file path=ppt/slides/slide5.xml><?xml version="1.0" encoding="utf-8"?>
-<p:sld xmlns:a="http://schemas.openxmlformats.org/drawingml/2006/main" xmlns:r="http://schemas.openxmlformats.org/officeDocument/2006/relationships" xmlns:p="http://schemas.openxmlformats.org/presentationml/2006/main">
-  <p:cSld>
-    <p:spTree>
-      <p:nvGrpSpPr>
-        <p:cNvPr id="1" name=""/>
-        <p:cNvGrpSpPr/>
-        <p:nvPr/>
-      </p:nvGrpSpPr>
-      <p:grpSpPr>
-        <a:xfrm>
-          <a:off x="0" y="0"/>
-          <a:ext cx="0" cy="0"/>
-          <a:chOff x="0" y="0"/>
-          <a:chExt cx="0" cy="0"/>
-        </a:xfrm>
-      </p:grpSpPr>
-      <p:pic>
-        <p:nvPicPr>
-          <p:cNvPr id="1026" name="Picture 2" descr="How to take a screenshot on Windows 10 - Pureinfotech">
-            <a:extLst>
-              <a:ext uri="{FF2B5EF4-FFF2-40B4-BE49-F238E27FC236}">
-                <a16:creationId xmlns:a16="http://schemas.microsoft.com/office/drawing/2014/main" id="{D3952A5D-3CC8-5B77-3D5E-F78433D28A83}"/>
-              </a:ext>
-            </a:extLst>
-          </p:cNvPr>
-          <p:cNvPicPr>
-            <a:picLocks noChangeAspect="1" noChangeArrowheads="1"/>
-          </p:cNvPicPr>
-          <p:nvPr/>
-        </p:nvPicPr>
-        <p:blipFill>
-          <a:blip r:embed="rId2">
-            <a:extLst>
-              <a:ext uri="{28A0092B-C50C-407E-A947-70E740481C1C}">
-                <a14:useLocalDpi xmlns:a14="http://schemas.microsoft.com/office/drawing/2010/main" val="0"/>
-              </a:ext>
-            </a:extLst>
-          </a:blip>
-          <a:srcRect/>
-          <a:stretch>
-            <a:fillRect/>
-          </a:stretch>
-        </p:blipFill>
-        <p:spPr bwMode="auto">
-          <a:xfrm>
-            <a:off x="609600" y="0"/>
-            <a:ext cx="10972800" cy="6858000"/>
-          </a:xfrm>
-          <a:prstGeom prst="rect">
-            <a:avLst/>
-          </a:prstGeom>
-          <a:noFill/>
-          <a:extLst>
-            <a:ext uri="{909E8E84-426E-40DD-AFC4-6F175D3DCCD1}">
-              <a14:hiddenFill xmlns:a14="http://schemas.microsoft.com/office/drawing/2010/main">
-                <a:solidFill>
-                  <a:srgbClr val="FFFFFF"/>
-                </a:solidFill>
-              </a14:hiddenFill>
-            </a:ext>
-          </a:extLst>
-        </p:spPr>
-      </p:pic>
-      <p:grpSp>
-        <p:nvGrpSpPr>
-          <p:cNvPr id="2" name="Group 1">
-            <a:extLst>
-              <a:ext uri="{FF2B5EF4-FFF2-40B4-BE49-F238E27FC236}">
-                <a16:creationId xmlns:a16="http://schemas.microsoft.com/office/drawing/2014/main" id="{418010AE-7E18-BC38-1773-3AC0B3C7022E}"/>
-              </a:ext>
-            </a:extLst>
-          </p:cNvPr>
-          <p:cNvGrpSpPr/>
-          <p:nvPr/>
-        </p:nvGrpSpPr>
-        <p:grpSpPr>
-          <a:xfrm>
-            <a:off x="8730532" y="5037193"/>
-            <a:ext cx="2686348" cy="1348256"/>
-            <a:chOff x="3360057" y="1984828"/>
-            <a:chExt cx="5471885" cy="2888343"/>
-          </a:xfrm>
-        </p:grpSpPr>
-        <p:sp>
-          <p:nvSpPr>
-            <p:cNvPr id="4" name="Rectangle 3">
-              <a:extLst>
-                <a:ext uri="{FF2B5EF4-FFF2-40B4-BE49-F238E27FC236}">
-                  <a16:creationId xmlns:a16="http://schemas.microsoft.com/office/drawing/2014/main" id="{C465BC1A-1F2B-C222-8A8A-6BE24707EE82}"/>
-                </a:ext>
-              </a:extLst>
-            </p:cNvPr>
-            <p:cNvSpPr/>
-            <p:nvPr/>
-          </p:nvSpPr>
-          <p:spPr>
-            <a:xfrm>
-              <a:off x="3360057" y="1984828"/>
-              <a:ext cx="5471885" cy="2888343"/>
-            </a:xfrm>
-            <a:prstGeom prst="rect">
-              <a:avLst/>
-            </a:prstGeom>
-            <a:solidFill>
-              <a:schemeClr val="bg1">
-                <a:lumMod val="75000"/>
-              </a:schemeClr>
-            </a:solidFill>
-            <a:ln>
-              <a:noFill/>
-            </a:ln>
-          </p:spPr>
-          <p:style>
-            <a:lnRef idx="2">
-              <a:schemeClr val="accent1">
-                <a:shade val="15000"/>
-              </a:schemeClr>
-            </a:lnRef>
-            <a:fillRef idx="1">
-              <a:schemeClr val="accent1"/>
-            </a:fillRef>
-            <a:effectRef idx="0">
-              <a:schemeClr val="accent1"/>
-            </a:effectRef>
-            <a:fontRef idx="minor">
-              <a:schemeClr val="lt1"/>
-            </a:fontRef>
-          </p:style>
-          <p:txBody>
-            <a:bodyPr rtlCol="0" anchor="ctr"/>
-            <a:lstStyle/>
-            <a:p>
-              <a:pPr algn="ctr"/>
-              <a:endParaRPr lang="en-US"/>
-            </a:p>
-          </p:txBody>
-        </p:sp>
-        <p:sp>
-          <p:nvSpPr>
-            <p:cNvPr id="5" name="TextBox 4">
-              <a:extLst>
-                <a:ext uri="{FF2B5EF4-FFF2-40B4-BE49-F238E27FC236}">
-                  <a16:creationId xmlns:a16="http://schemas.microsoft.com/office/drawing/2014/main" id="{405DB56E-B781-C2C8-B816-80C9A71C0C06}"/>
-                </a:ext>
-              </a:extLst>
-            </p:cNvPr>
-            <p:cNvSpPr txBox="1"/>
-            <p:nvPr/>
-          </p:nvSpPr>
-          <p:spPr>
-            <a:xfrm>
-              <a:off x="5342705" y="2359995"/>
-              <a:ext cx="3161211" cy="791213"/>
-            </a:xfrm>
-            <a:prstGeom prst="rect">
-              <a:avLst/>
-            </a:prstGeom>
-            <a:noFill/>
-          </p:spPr>
-          <p:txBody>
-            <a:bodyPr wrap="square" rtlCol="0">
-              <a:spAutoFit/>
-            </a:bodyPr>
-            <a:lstStyle/>
-            <a:p>
-              <a:pPr algn="ctr"/>
-              <a:r>
-                <a:rPr lang="en-US" dirty="0"/>
-                <a:t>SONG TITLE</a:t>
-              </a:r>
-            </a:p>
-          </p:txBody>
-        </p:sp>
-        <p:sp>
-          <p:nvSpPr>
-            <p:cNvPr id="6" name="TextBox 5">
-              <a:extLst>
-                <a:ext uri="{FF2B5EF4-FFF2-40B4-BE49-F238E27FC236}">
-                  <a16:creationId xmlns:a16="http://schemas.microsoft.com/office/drawing/2014/main" id="{96549BD7-7BBF-F259-92EA-7D3A50833871}"/>
-                </a:ext>
-              </a:extLst>
-            </p:cNvPr>
-            <p:cNvSpPr txBox="1"/>
-            <p:nvPr/>
-          </p:nvSpPr>
-          <p:spPr>
-            <a:xfrm>
-              <a:off x="5342705" y="3104493"/>
-              <a:ext cx="3161209" cy="791213"/>
-            </a:xfrm>
-            <a:prstGeom prst="rect">
-              <a:avLst/>
-            </a:prstGeom>
-            <a:noFill/>
-          </p:spPr>
-          <p:txBody>
-            <a:bodyPr wrap="square" rtlCol="0">
-              <a:spAutoFit/>
-            </a:bodyPr>
-            <a:lstStyle/>
-            <a:p>
-              <a:pPr algn="ctr"/>
-              <a:r>
-                <a:rPr lang="en-US" dirty="0"/>
-                <a:t>ARTIST NAME</a:t>
-              </a:r>
-            </a:p>
-          </p:txBody>
-        </p:sp>
-        <p:sp>
-          <p:nvSpPr>
-            <p:cNvPr id="7" name="Rectangle 6">
-              <a:extLst>
-                <a:ext uri="{FF2B5EF4-FFF2-40B4-BE49-F238E27FC236}">
-                  <a16:creationId xmlns:a16="http://schemas.microsoft.com/office/drawing/2014/main" id="{4B01F7B6-F491-9F99-8F02-24FFBE177D58}"/>
-                </a:ext>
-              </a:extLst>
-            </p:cNvPr>
-            <p:cNvSpPr/>
-            <p:nvPr/>
-          </p:nvSpPr>
-          <p:spPr>
-            <a:xfrm>
-              <a:off x="3639456" y="2214152"/>
-              <a:ext cx="1494245" cy="1494245"/>
-            </a:xfrm>
-            <a:prstGeom prst="rect">
-              <a:avLst/>
-            </a:prstGeom>
-          </p:spPr>
-          <p:style>
-            <a:lnRef idx="2">
-              <a:schemeClr val="accent1">
-                <a:shade val="15000"/>
-              </a:schemeClr>
-            </a:lnRef>
-            <a:fillRef idx="1">
-              <a:schemeClr val="accent1"/>
-            </a:fillRef>
-            <a:effectRef idx="0">
-              <a:schemeClr val="accent1"/>
-            </a:effectRef>
-            <a:fontRef idx="minor">
-              <a:schemeClr val="lt1"/>
-            </a:fontRef>
-          </p:style>
-          <p:txBody>
-            <a:bodyPr rtlCol="0" anchor="ctr"/>
-            <a:lstStyle/>
-            <a:p>
-              <a:pPr algn="ctr"/>
-              <a:r>
-                <a:rPr lang="en-US" sz="1200" dirty="0"/>
-                <a:t>Album Artwork</a:t>
-              </a:r>
-            </a:p>
-          </p:txBody>
-        </p:sp>
-        <p:sp>
-          <p:nvSpPr>
-            <p:cNvPr id="8" name="Triangle 7">
-              <a:extLst>
-                <a:ext uri="{FF2B5EF4-FFF2-40B4-BE49-F238E27FC236}">
-                  <a16:creationId xmlns:a16="http://schemas.microsoft.com/office/drawing/2014/main" id="{60E1D852-4819-6C0E-07A0-DD11D349ACE9}"/>
-                </a:ext>
-              </a:extLst>
-            </p:cNvPr>
-            <p:cNvSpPr/>
-            <p:nvPr/>
-          </p:nvSpPr>
-          <p:spPr>
-            <a:xfrm rot="5400000">
-              <a:off x="6369462" y="3987256"/>
-              <a:ext cx="539190" cy="464819"/>
-            </a:xfrm>
-            <a:prstGeom prst="triangle">
-              <a:avLst/>
-            </a:prstGeom>
-          </p:spPr>
-          <p:style>
-            <a:lnRef idx="2">
-              <a:schemeClr val="accent1">
-                <a:shade val="15000"/>
-              </a:schemeClr>
-            </a:lnRef>
-            <a:fillRef idx="1">
-              <a:schemeClr val="accent1"/>
-            </a:fillRef>
-            <a:effectRef idx="0">
-              <a:schemeClr val="accent1"/>
-            </a:effectRef>
-            <a:fontRef idx="minor">
-              <a:schemeClr val="lt1"/>
-            </a:fontRef>
-          </p:style>
-          <p:txBody>
-            <a:bodyPr rtlCol="0" anchor="ctr"/>
-            <a:lstStyle/>
-            <a:p>
-              <a:pPr algn="ctr"/>
-              <a:endParaRPr lang="en-US"/>
-            </a:p>
-          </p:txBody>
-        </p:sp>
-        <p:sp>
-          <p:nvSpPr>
-            <p:cNvPr id="9" name="Triangle 8">
-              <a:extLst>
-                <a:ext uri="{FF2B5EF4-FFF2-40B4-BE49-F238E27FC236}">
-                  <a16:creationId xmlns:a16="http://schemas.microsoft.com/office/drawing/2014/main" id="{39080437-7A7E-4DA3-C53F-5F585247E87A}"/>
-                </a:ext>
-              </a:extLst>
-            </p:cNvPr>
-            <p:cNvSpPr/>
-            <p:nvPr/>
-          </p:nvSpPr>
-          <p:spPr>
-            <a:xfrm rot="5400000">
-              <a:off x="7286086" y="3981260"/>
-              <a:ext cx="539190" cy="464819"/>
-            </a:xfrm>
-            <a:prstGeom prst="triangle">
-              <a:avLst/>
-            </a:prstGeom>
-          </p:spPr>
-          <p:style>
-            <a:lnRef idx="2">
-              <a:schemeClr val="accent1">
-                <a:shade val="15000"/>
-              </a:schemeClr>
-            </a:lnRef>
-            <a:fillRef idx="1">
-              <a:schemeClr val="accent1"/>
-            </a:fillRef>
-            <a:effectRef idx="0">
-              <a:schemeClr val="accent1"/>
-            </a:effectRef>
-            <a:fontRef idx="minor">
-              <a:schemeClr val="lt1"/>
-            </a:fontRef>
-          </p:style>
-          <p:txBody>
-            <a:bodyPr rtlCol="0" anchor="ctr"/>
-            <a:lstStyle/>
-            <a:p>
-              <a:pPr algn="ctr"/>
-              <a:endParaRPr lang="en-US"/>
-            </a:p>
-          </p:txBody>
-        </p:sp>
-        <p:sp>
-          <p:nvSpPr>
-            <p:cNvPr id="10" name="Triangle 9">
-              <a:extLst>
-                <a:ext uri="{FF2B5EF4-FFF2-40B4-BE49-F238E27FC236}">
-                  <a16:creationId xmlns:a16="http://schemas.microsoft.com/office/drawing/2014/main" id="{8958F7A6-8A0A-070E-A185-0FA832FE8281}"/>
-                </a:ext>
-              </a:extLst>
-            </p:cNvPr>
-            <p:cNvSpPr/>
-            <p:nvPr/>
-          </p:nvSpPr>
-          <p:spPr>
-            <a:xfrm rot="5400000">
-              <a:off x="7495633" y="3993251"/>
-              <a:ext cx="539190" cy="464819"/>
-            </a:xfrm>
-            <a:prstGeom prst="triangle">
-              <a:avLst/>
-            </a:prstGeom>
-          </p:spPr>
-          <p:style>
-            <a:lnRef idx="2">
-              <a:schemeClr val="accent1">
-                <a:shade val="15000"/>
-              </a:schemeClr>
-            </a:lnRef>
-            <a:fillRef idx="1">
-              <a:schemeClr val="accent1"/>
-            </a:fillRef>
-            <a:effectRef idx="0">
-              <a:schemeClr val="accent1"/>
-            </a:effectRef>
-            <a:fontRef idx="minor">
-              <a:schemeClr val="lt1"/>
-            </a:fontRef>
-          </p:style>
-          <p:txBody>
-            <a:bodyPr rtlCol="0" anchor="ctr"/>
-            <a:lstStyle/>
-            <a:p>
-              <a:pPr algn="ctr"/>
-              <a:endParaRPr lang="en-US"/>
-            </a:p>
-          </p:txBody>
-        </p:sp>
-        <p:sp>
-          <p:nvSpPr>
-            <p:cNvPr id="11" name="Triangle 10">
-              <a:extLst>
-                <a:ext uri="{FF2B5EF4-FFF2-40B4-BE49-F238E27FC236}">
-                  <a16:creationId xmlns:a16="http://schemas.microsoft.com/office/drawing/2014/main" id="{3B65F755-E469-29BC-A70D-24E1FBB8B9F5}"/>
-                </a:ext>
-              </a:extLst>
-            </p:cNvPr>
-            <p:cNvSpPr/>
-            <p:nvPr/>
-          </p:nvSpPr>
-          <p:spPr>
-            <a:xfrm rot="16200000">
-              <a:off x="4326668" y="3974907"/>
-              <a:ext cx="539190" cy="464819"/>
-            </a:xfrm>
-            <a:prstGeom prst="triangle">
-              <a:avLst/>
-            </a:prstGeom>
-          </p:spPr>
-          <p:style>
-            <a:lnRef idx="2">
-              <a:schemeClr val="accent1">
-                <a:shade val="15000"/>
-              </a:schemeClr>
-            </a:lnRef>
-            <a:fillRef idx="1">
-              <a:schemeClr val="accent1"/>
-            </a:fillRef>
-            <a:effectRef idx="0">
-              <a:schemeClr val="accent1"/>
-            </a:effectRef>
-            <a:fontRef idx="minor">
-              <a:schemeClr val="lt1"/>
-            </a:fontRef>
-          </p:style>
-          <p:txBody>
-            <a:bodyPr rtlCol="0" anchor="ctr"/>
-            <a:lstStyle/>
-            <a:p>
-              <a:pPr algn="ctr"/>
-              <a:endParaRPr lang="en-US"/>
-            </a:p>
-          </p:txBody>
-        </p:sp>
-        <p:sp>
-          <p:nvSpPr>
-            <p:cNvPr id="12" name="Triangle 11">
-              <a:extLst>
-                <a:ext uri="{FF2B5EF4-FFF2-40B4-BE49-F238E27FC236}">
-                  <a16:creationId xmlns:a16="http://schemas.microsoft.com/office/drawing/2014/main" id="{26315C10-5D9A-F316-9CDE-B5DD01FE2473}"/>
-                </a:ext>
-              </a:extLst>
-            </p:cNvPr>
-            <p:cNvSpPr/>
-            <p:nvPr/>
-          </p:nvSpPr>
-          <p:spPr>
-            <a:xfrm rot="16200000">
-              <a:off x="4536215" y="3986898"/>
-              <a:ext cx="539190" cy="464819"/>
-            </a:xfrm>
-            <a:prstGeom prst="triangle">
-              <a:avLst/>
-            </a:prstGeom>
-          </p:spPr>
-          <p:style>
-            <a:lnRef idx="2">
-              <a:schemeClr val="accent1">
-                <a:shade val="15000"/>
-              </a:schemeClr>
-            </a:lnRef>
-            <a:fillRef idx="1">
-              <a:schemeClr val="accent1"/>
-            </a:fillRef>
-            <a:effectRef idx="0">
-              <a:schemeClr val="accent1"/>
-            </a:effectRef>
-            <a:fontRef idx="minor">
-              <a:schemeClr val="lt1"/>
-            </a:fontRef>
-          </p:style>
-          <p:txBody>
-            <a:bodyPr rtlCol="0" anchor="ctr"/>
-            <a:lstStyle/>
-            <a:p>
-              <a:pPr algn="ctr"/>
-              <a:endParaRPr lang="en-US"/>
-            </a:p>
-          </p:txBody>
-        </p:sp>
-        <p:sp>
-          <p:nvSpPr>
-            <p:cNvPr id="13" name="Rectangle 12">
-              <a:extLst>
-                <a:ext uri="{FF2B5EF4-FFF2-40B4-BE49-F238E27FC236}">
-                  <a16:creationId xmlns:a16="http://schemas.microsoft.com/office/drawing/2014/main" id="{552F033C-9EAC-6789-3868-117503BF932C}"/>
-                </a:ext>
-              </a:extLst>
-            </p:cNvPr>
-            <p:cNvSpPr/>
-            <p:nvPr/>
-          </p:nvSpPr>
-          <p:spPr>
-            <a:xfrm>
-              <a:off x="5827993" y="3956066"/>
-              <a:ext cx="117830" cy="539191"/>
-            </a:xfrm>
-            <a:prstGeom prst="rect">
-              <a:avLst/>
-            </a:prstGeom>
-          </p:spPr>
-          <p:style>
-            <a:lnRef idx="2">
-              <a:schemeClr val="accent1">
-                <a:shade val="15000"/>
-              </a:schemeClr>
-            </a:lnRef>
-            <a:fillRef idx="1">
-              <a:schemeClr val="accent1"/>
-            </a:fillRef>
-            <a:effectRef idx="0">
-              <a:schemeClr val="accent1"/>
-            </a:effectRef>
-            <a:fontRef idx="minor">
-              <a:schemeClr val="lt1"/>
-            </a:fontRef>
-          </p:style>
-          <p:txBody>
-            <a:bodyPr rtlCol="0" anchor="ctr"/>
-            <a:lstStyle/>
-            <a:p>
-              <a:pPr algn="ctr"/>
-              <a:endParaRPr lang="en-US"/>
-            </a:p>
-          </p:txBody>
-        </p:sp>
-        <p:sp>
-          <p:nvSpPr>
-            <p:cNvPr id="14" name="Rectangle 13">
-              <a:extLst>
-                <a:ext uri="{FF2B5EF4-FFF2-40B4-BE49-F238E27FC236}">
-                  <a16:creationId xmlns:a16="http://schemas.microsoft.com/office/drawing/2014/main" id="{DDC51C4B-E71A-C3B0-CC94-E8655CDE3AFB}"/>
-                </a:ext>
-              </a:extLst>
-            </p:cNvPr>
-            <p:cNvSpPr/>
-            <p:nvPr/>
-          </p:nvSpPr>
-          <p:spPr>
-            <a:xfrm>
-              <a:off x="5630721" y="3956065"/>
-              <a:ext cx="117830" cy="539191"/>
-            </a:xfrm>
-            <a:prstGeom prst="rect">
-              <a:avLst/>
-            </a:prstGeom>
-          </p:spPr>
-          <p:style>
-            <a:lnRef idx="2">
-              <a:schemeClr val="accent1">
-                <a:shade val="15000"/>
-              </a:schemeClr>
-            </a:lnRef>
-            <a:fillRef idx="1">
-              <a:schemeClr val="accent1"/>
-            </a:fillRef>
-            <a:effectRef idx="0">
-              <a:schemeClr val="accent1"/>
-            </a:effectRef>
-            <a:fontRef idx="minor">
-              <a:schemeClr val="lt1"/>
-            </a:fontRef>
-          </p:style>
-          <p:txBody>
-            <a:bodyPr rtlCol="0" anchor="ctr"/>
-            <a:lstStyle/>
-            <a:p>
-              <a:pPr algn="ctr"/>
-              <a:endParaRPr lang="en-US"/>
-            </a:p>
-          </p:txBody>
-        </p:sp>
-      </p:grpSp>
-    </p:spTree>
-    <p:extLst>
-      <p:ext uri="{BB962C8B-B14F-4D97-AF65-F5344CB8AC3E}">
-        <p14:creationId xmlns:p14="http://schemas.microsoft.com/office/powerpoint/2010/main" val="1640573159"/>
+        <p14:creationId xmlns:p14="http://schemas.microsoft.com/office/powerpoint/2010/main" val="4170144027"/>
       </p:ext>
     </p:extLst>
   </p:cSld>
